--- a/LZR_Tester/메시지정리.pptx
+++ b/LZR_Tester/메시지정리.pptx
@@ -260,7 +260,7 @@
           <a:p>
             <a:fld id="{A81AB88E-9BAF-4870-9409-F224DB292F36}" type="datetimeFigureOut">
               <a:rPr lang="ko-KR" altLang="en-US" smtClean="0"/>
-              <a:t>2025-04-22</a:t>
+              <a:t>2025-04-26</a:t>
             </a:fld>
             <a:endParaRPr lang="ko-KR" altLang="en-US"/>
           </a:p>
@@ -458,7 +458,7 @@
           <a:p>
             <a:fld id="{A81AB88E-9BAF-4870-9409-F224DB292F36}" type="datetimeFigureOut">
               <a:rPr lang="ko-KR" altLang="en-US" smtClean="0"/>
-              <a:t>2025-04-22</a:t>
+              <a:t>2025-04-26</a:t>
             </a:fld>
             <a:endParaRPr lang="ko-KR" altLang="en-US"/>
           </a:p>
@@ -666,7 +666,7 @@
           <a:p>
             <a:fld id="{A81AB88E-9BAF-4870-9409-F224DB292F36}" type="datetimeFigureOut">
               <a:rPr lang="ko-KR" altLang="en-US" smtClean="0"/>
-              <a:t>2025-04-22</a:t>
+              <a:t>2025-04-26</a:t>
             </a:fld>
             <a:endParaRPr lang="ko-KR" altLang="en-US"/>
           </a:p>
@@ -864,7 +864,7 @@
           <a:p>
             <a:fld id="{A81AB88E-9BAF-4870-9409-F224DB292F36}" type="datetimeFigureOut">
               <a:rPr lang="ko-KR" altLang="en-US" smtClean="0"/>
-              <a:t>2025-04-22</a:t>
+              <a:t>2025-04-26</a:t>
             </a:fld>
             <a:endParaRPr lang="ko-KR" altLang="en-US"/>
           </a:p>
@@ -1139,7 +1139,7 @@
           <a:p>
             <a:fld id="{A81AB88E-9BAF-4870-9409-F224DB292F36}" type="datetimeFigureOut">
               <a:rPr lang="ko-KR" altLang="en-US" smtClean="0"/>
-              <a:t>2025-04-22</a:t>
+              <a:t>2025-04-26</a:t>
             </a:fld>
             <a:endParaRPr lang="ko-KR" altLang="en-US"/>
           </a:p>
@@ -1404,7 +1404,7 @@
           <a:p>
             <a:fld id="{A81AB88E-9BAF-4870-9409-F224DB292F36}" type="datetimeFigureOut">
               <a:rPr lang="ko-KR" altLang="en-US" smtClean="0"/>
-              <a:t>2025-04-22</a:t>
+              <a:t>2025-04-26</a:t>
             </a:fld>
             <a:endParaRPr lang="ko-KR" altLang="en-US"/>
           </a:p>
@@ -1816,7 +1816,7 @@
           <a:p>
             <a:fld id="{A81AB88E-9BAF-4870-9409-F224DB292F36}" type="datetimeFigureOut">
               <a:rPr lang="ko-KR" altLang="en-US" smtClean="0"/>
-              <a:t>2025-04-22</a:t>
+              <a:t>2025-04-26</a:t>
             </a:fld>
             <a:endParaRPr lang="ko-KR" altLang="en-US"/>
           </a:p>
@@ -1957,7 +1957,7 @@
           <a:p>
             <a:fld id="{A81AB88E-9BAF-4870-9409-F224DB292F36}" type="datetimeFigureOut">
               <a:rPr lang="ko-KR" altLang="en-US" smtClean="0"/>
-              <a:t>2025-04-22</a:t>
+              <a:t>2025-04-26</a:t>
             </a:fld>
             <a:endParaRPr lang="ko-KR" altLang="en-US"/>
           </a:p>
@@ -2070,7 +2070,7 @@
           <a:p>
             <a:fld id="{A81AB88E-9BAF-4870-9409-F224DB292F36}" type="datetimeFigureOut">
               <a:rPr lang="ko-KR" altLang="en-US" smtClean="0"/>
-              <a:t>2025-04-22</a:t>
+              <a:t>2025-04-26</a:t>
             </a:fld>
             <a:endParaRPr lang="ko-KR" altLang="en-US"/>
           </a:p>
@@ -2381,7 +2381,7 @@
           <a:p>
             <a:fld id="{A81AB88E-9BAF-4870-9409-F224DB292F36}" type="datetimeFigureOut">
               <a:rPr lang="ko-KR" altLang="en-US" smtClean="0"/>
-              <a:t>2025-04-22</a:t>
+              <a:t>2025-04-26</a:t>
             </a:fld>
             <a:endParaRPr lang="ko-KR" altLang="en-US"/>
           </a:p>
@@ -2669,7 +2669,7 @@
           <a:p>
             <a:fld id="{A81AB88E-9BAF-4870-9409-F224DB292F36}" type="datetimeFigureOut">
               <a:rPr lang="ko-KR" altLang="en-US" smtClean="0"/>
-              <a:t>2025-04-22</a:t>
+              <a:t>2025-04-26</a:t>
             </a:fld>
             <a:endParaRPr lang="ko-KR" altLang="en-US"/>
           </a:p>
@@ -2910,7 +2910,7 @@
           <a:p>
             <a:fld id="{A81AB88E-9BAF-4870-9409-F224DB292F36}" type="datetimeFigureOut">
               <a:rPr lang="ko-KR" altLang="en-US" smtClean="0"/>
-              <a:t>2025-04-22</a:t>
+              <a:t>2025-04-26</a:t>
             </a:fld>
             <a:endParaRPr lang="ko-KR" altLang="en-US"/>
           </a:p>
@@ -4851,7 +4851,7 @@
           <p:nvPr>
             <p:extLst>
               <p:ext uri="{D42A27DB-BD31-4B8C-83A1-F6EECF244321}">
-                <p14:modId xmlns:p14="http://schemas.microsoft.com/office/powerpoint/2010/main" val="2501733034"/>
+                <p14:modId xmlns:p14="http://schemas.microsoft.com/office/powerpoint/2010/main" val="208841717"/>
               </p:ext>
             </p:extLst>
           </p:nvPr>
@@ -5114,7 +5114,7 @@
                             <a:srgbClr val="FFFF00"/>
                           </a:highlight>
                         </a:rPr>
-                        <a:t>ON/OFF</a:t>
+                        <a:t>ON/OFF (?)</a:t>
                       </a:r>
                       <a:endParaRPr lang="ko-KR" altLang="en-US" dirty="0">
                         <a:highlight>
@@ -5263,8 +5263,21 @@
                             <a:srgbClr val="FFFF00"/>
                           </a:highlight>
                         </a:rPr>
-                        <a:t>요청에 대한 상태</a:t>
-                      </a:r>
+                        <a:t>요청에 대한 상태 </a:t>
+                      </a:r>
+                      <a:r>
+                        <a:rPr lang="en-US" altLang="ko-KR">
+                          <a:highlight>
+                            <a:srgbClr val="FFFF00"/>
+                          </a:highlight>
+                        </a:rPr>
+                        <a:t>(?)</a:t>
+                      </a:r>
+                      <a:endParaRPr lang="ko-KR" altLang="en-US" dirty="0">
+                        <a:highlight>
+                          <a:srgbClr val="FFFF00"/>
+                        </a:highlight>
+                      </a:endParaRPr>
                     </a:p>
                   </a:txBody>
                   <a:tcPr/>
